--- a/Lectures/week 3/week 3 - Probabilistic Retrieval and Relevance Feedback.pptx
+++ b/Lectures/week 3/week 3 - Probabilistic Retrieval and Relevance Feedback.pptx
@@ -444,7 +444,7 @@
               <a:pPr>
                 <a:defRPr/>
               </a:pPr>
-              <a:t>‹#›</a:t>
+              <a:t>‹N°›</a:t>
             </a:fld>
             <a:endParaRPr lang="en-US"/>
           </a:p>
@@ -620,10 +620,10 @@
           </a:ln>
           <a:extLst>
             <a:ext uri="{FAA26D3D-D897-4be2-8F04-BA451C77F1D7}">
-              <ma14:placeholderFlag xmlns="" xmlns:ma14="http://schemas.microsoft.com/office/mac/drawingml/2011/main" val="1"/>
+              <ma14:placeholderFlag xmlns:ma14="http://schemas.microsoft.com/office/mac/drawingml/2011/main" xmlns="" val="1"/>
             </a:ext>
             <a:ext uri="{909E8E84-426E-40dd-AFC4-6F175D3DCCD1}">
-              <a14:hiddenFill xmlns="" xmlns:a14="http://schemas.microsoft.com/office/drawing/2010/main">
+              <a14:hiddenFill xmlns:a14="http://schemas.microsoft.com/office/drawing/2010/main" xmlns="">
                 <a:solidFill>
                   <a:srgbClr val="FFFFFF"/>
                 </a:solidFill>
@@ -805,7 +805,7 @@
               <a:pPr>
                 <a:defRPr/>
               </a:pPr>
-              <a:t>‹#›</a:t>
+              <a:t>‹N°›</a:t>
             </a:fld>
             <a:endParaRPr lang="en-US"/>
           </a:p>
@@ -5269,14 +5269,14 @@
           <a:ln/>
           <a:extLst>
             <a:ext uri="{909E8E84-426E-40dd-AFC4-6F175D3DCCD1}">
-              <a14:hiddenFill xmlns="" xmlns:a14="http://schemas.microsoft.com/office/drawing/2010/main">
+              <a14:hiddenFill xmlns:a14="http://schemas.microsoft.com/office/drawing/2010/main" xmlns="">
                 <a:solidFill>
                   <a:srgbClr val="FFFFFF"/>
                 </a:solidFill>
               </a14:hiddenFill>
             </a:ext>
             <a:ext uri="{91240B29-F687-4f45-9708-019B960494DF}">
-              <a14:hiddenLine xmlns="" xmlns:a14="http://schemas.microsoft.com/office/drawing/2010/main" w="9525">
+              <a14:hiddenLine xmlns:a14="http://schemas.microsoft.com/office/drawing/2010/main" xmlns="" w="9525">
                 <a:solidFill>
                   <a:srgbClr val="000000"/>
                 </a:solidFill>
@@ -5493,17 +5493,17 @@
           <a:ln/>
           <a:extLst>
             <a:ext uri="{FAA26D3D-D897-4be2-8F04-BA451C77F1D7}">
-              <ma14:placeholderFlag xmlns="" xmlns:ma14="http://schemas.microsoft.com/office/mac/drawingml/2011/main" val="1"/>
+              <ma14:placeholderFlag xmlns:ma14="http://schemas.microsoft.com/office/mac/drawingml/2011/main" xmlns="" val="1"/>
             </a:ext>
             <a:ext uri="{909E8E84-426E-40dd-AFC4-6F175D3DCCD1}">
-              <a14:hiddenFill xmlns="" xmlns:a14="http://schemas.microsoft.com/office/drawing/2010/main">
+              <a14:hiddenFill xmlns:a14="http://schemas.microsoft.com/office/drawing/2010/main" xmlns="">
                 <a:solidFill>
                   <a:srgbClr val="FFFFFF"/>
                 </a:solidFill>
               </a14:hiddenFill>
             </a:ext>
             <a:ext uri="{91240B29-F687-4f45-9708-019B960494DF}">
-              <a14:hiddenLine xmlns="" xmlns:a14="http://schemas.microsoft.com/office/drawing/2010/main" w="9525">
+              <a14:hiddenLine xmlns:a14="http://schemas.microsoft.com/office/drawing/2010/main" xmlns="" w="9525">
                 <a:solidFill>
                   <a:srgbClr val="000000"/>
                 </a:solidFill>
@@ -8931,17 +8931,17 @@
           </a:ln>
           <a:extLst>
             <a:ext uri="{FAA26D3D-D897-4be2-8F04-BA451C77F1D7}">
-              <ma14:placeholderFlag xmlns="" xmlns:ma14="http://schemas.microsoft.com/office/mac/drawingml/2011/main" val="1"/>
+              <ma14:placeholderFlag xmlns:ma14="http://schemas.microsoft.com/office/mac/drawingml/2011/main" xmlns="" val="1"/>
             </a:ext>
             <a:ext uri="{909E8E84-426E-40dd-AFC4-6F175D3DCCD1}">
-              <a14:hiddenFill xmlns="" xmlns:a14="http://schemas.microsoft.com/office/drawing/2010/main">
+              <a14:hiddenFill xmlns:a14="http://schemas.microsoft.com/office/drawing/2010/main" xmlns="">
                 <a:solidFill>
                   <a:srgbClr val="FFFFFF"/>
                 </a:solidFill>
               </a14:hiddenFill>
             </a:ext>
             <a:ext uri="{91240B29-F687-4f45-9708-019B960494DF}">
-              <a14:hiddenLine xmlns="" xmlns:a14="http://schemas.microsoft.com/office/drawing/2010/main" w="9525">
+              <a14:hiddenLine xmlns:a14="http://schemas.microsoft.com/office/drawing/2010/main" xmlns="" w="9525">
                 <a:solidFill>
                   <a:srgbClr val="000000"/>
                 </a:solidFill>
@@ -8989,17 +8989,17 @@
           </a:ln>
           <a:extLst>
             <a:ext uri="{FAA26D3D-D897-4be2-8F04-BA451C77F1D7}">
-              <ma14:placeholderFlag xmlns="" xmlns:ma14="http://schemas.microsoft.com/office/mac/drawingml/2011/main" val="1"/>
+              <ma14:placeholderFlag xmlns:ma14="http://schemas.microsoft.com/office/mac/drawingml/2011/main" xmlns="" val="1"/>
             </a:ext>
             <a:ext uri="{909E8E84-426E-40dd-AFC4-6F175D3DCCD1}">
-              <a14:hiddenFill xmlns="" xmlns:a14="http://schemas.microsoft.com/office/drawing/2010/main">
+              <a14:hiddenFill xmlns:a14="http://schemas.microsoft.com/office/drawing/2010/main" xmlns="">
                 <a:solidFill>
                   <a:srgbClr val="FFFFFF"/>
                 </a:solidFill>
               </a14:hiddenFill>
             </a:ext>
             <a:ext uri="{91240B29-F687-4f45-9708-019B960494DF}">
-              <a14:hiddenLine xmlns="" xmlns:a14="http://schemas.microsoft.com/office/drawing/2010/main" w="9525">
+              <a14:hiddenLine xmlns:a14="http://schemas.microsoft.com/office/drawing/2010/main" xmlns="" w="9525">
                 <a:solidFill>
                   <a:srgbClr val="000000"/>
                 </a:solidFill>
@@ -9128,14 +9128,14 @@
           </a:ln>
           <a:extLst>
             <a:ext uri="{909E8E84-426E-40dd-AFC4-6F175D3DCCD1}">
-              <a14:hiddenFill xmlns="" xmlns:a14="http://schemas.microsoft.com/office/drawing/2010/main">
+              <a14:hiddenFill xmlns:a14="http://schemas.microsoft.com/office/drawing/2010/main" xmlns="">
                 <a:solidFill>
                   <a:srgbClr val="FFFFFF"/>
                 </a:solidFill>
               </a14:hiddenFill>
             </a:ext>
             <a:ext uri="{91240B29-F687-4f45-9708-019B960494DF}">
-              <a14:hiddenLine xmlns="" xmlns:a14="http://schemas.microsoft.com/office/drawing/2010/main" w="9525">
+              <a14:hiddenLine xmlns:a14="http://schemas.microsoft.com/office/drawing/2010/main" xmlns="" w="9525">
                 <a:solidFill>
                   <a:srgbClr val="000000"/>
                 </a:solidFill>
@@ -9162,7 +9162,7 @@
                 <a:latin typeface="Verdana" charset="0"/>
               </a:rPr>
               <a:pPr algn="r"/>
-              <a:t>‹#›</a:t>
+              <a:t>‹N°›</a:t>
             </a:fld>
             <a:endParaRPr lang="en-US" sz="900" dirty="0">
               <a:latin typeface="Verdana" charset="0"/>
@@ -14865,8 +14865,8 @@
           </a:p>
         </p:txBody>
       </p:sp>
-      <mc:AlternateContent xmlns:mc="http://schemas.openxmlformats.org/markup-compatibility/2006" xmlns:a14="http://schemas.microsoft.com/office/drawing/2010/main">
-        <mc:Choice Requires="a14">
+      <mc:AlternateContent xmlns:mc="http://schemas.openxmlformats.org/markup-compatibility/2006">
+        <mc:Choice xmlns:a14="http://schemas.microsoft.com/office/drawing/2010/main" Requires="a14">
           <p:sp>
             <p:nvSpPr>
               <p:cNvPr id="3" name="Content Placeholder 2"/>
@@ -15336,7 +15336,7 @@
             </p:txBody>
           </p:sp>
         </mc:Choice>
-        <mc:Fallback xmlns="">
+        <mc:Fallback>
           <p:sp>
             <p:nvSpPr>
               <p:cNvPr id="3" name="Content Placeholder 2"/>
@@ -15351,7 +15351,7 @@
               <a:blipFill>
                 <a:blip r:embed="rId3"/>
                 <a:stretch>
-                  <a:fillRect l="-1128" t="-1008"/>
+                  <a:fillRect l="-986" t="-1008"/>
                 </a:stretch>
               </a:blipFill>
             </p:spPr>
@@ -15360,7 +15360,7 @@
               <a:lstStyle/>
               <a:p>
                 <a:r>
-                  <a:rPr lang="en-CH">
+                  <a:rPr lang="en-US">
                     <a:noFill/>
                   </a:rPr>
                   <a:t> </a:t>
@@ -20132,12 +20132,12 @@
           <a:graphicData uri="http://schemas.openxmlformats.org/presentationml/2006/ole">
             <mc:AlternateContent xmlns:mc="http://schemas.openxmlformats.org/markup-compatibility/2006">
               <mc:Choice xmlns:v="urn:schemas-microsoft-com:vml" Requires="v">
-                <p:oleObj name="Equation" r:id="rId3" imgW="2540000" imgH="495300" progId="Equation.3">
+                <p:oleObj spid="_x0000_s1026" name="Equation" r:id="rId4" imgW="2540000" imgH="495300" progId="Equation.3">
                   <p:embed/>
                 </p:oleObj>
               </mc:Choice>
               <mc:Fallback>
-                <p:oleObj name="Equation" r:id="rId3" imgW="2540000" imgH="495300" progId="Equation.3">
+                <p:oleObj name="Equation" r:id="rId4" imgW="2540000" imgH="495300" progId="Equation.3">
                   <p:embed/>
                   <p:pic>
                     <p:nvPicPr>
@@ -20148,7 +20148,7 @@
                       <p:nvPr/>
                     </p:nvPicPr>
                     <p:blipFill>
-                      <a:blip r:embed="rId4"/>
+                      <a:blip r:embed="rId5"/>
                       <a:srcRect/>
                       <a:stretch>
                         <a:fillRect/>
@@ -20584,12 +20584,12 @@
           <a:graphicData uri="http://schemas.openxmlformats.org/presentationml/2006/ole">
             <mc:AlternateContent xmlns:mc="http://schemas.openxmlformats.org/markup-compatibility/2006">
               <mc:Choice xmlns:v="urn:schemas-microsoft-com:vml" Requires="v">
-                <p:oleObj name="Equation" r:id="rId3" imgW="3136900" imgH="406400" progId="Equation.3">
+                <p:oleObj spid="_x0000_s2050" name="Equation" r:id="rId4" imgW="3136900" imgH="406400" progId="Equation.3">
                   <p:embed/>
                 </p:oleObj>
               </mc:Choice>
               <mc:Fallback>
-                <p:oleObj name="Equation" r:id="rId3" imgW="3136900" imgH="406400" progId="Equation.3">
+                <p:oleObj name="Equation" r:id="rId4" imgW="3136900" imgH="406400" progId="Equation.3">
                   <p:embed/>
                   <p:pic>
                     <p:nvPicPr>
@@ -20600,7 +20600,7 @@
                       <p:nvPr/>
                     </p:nvPicPr>
                     <p:blipFill>
-                      <a:blip r:embed="rId4"/>
+                      <a:blip r:embed="rId5"/>
                       <a:srcRect/>
                       <a:stretch>
                         <a:fillRect/>
@@ -20621,14 +20621,14 @@
                       <a:effectLst/>
                       <a:extLst>
                         <a:ext uri="{909E8E84-426E-40dd-AFC4-6F175D3DCCD1}">
-                          <a14:hiddenFill xmlns="" xmlns:a14="http://schemas.microsoft.com/office/drawing/2010/main">
+                          <a14:hiddenFill xmlns:a14="http://schemas.microsoft.com/office/drawing/2010/main" xmlns="">
                             <a:solidFill>
                               <a:schemeClr val="accent1"/>
                             </a:solidFill>
                           </a14:hiddenFill>
                         </a:ext>
                         <a:ext uri="{91240B29-F687-4f45-9708-019B960494DF}">
-                          <a14:hiddenLine xmlns="" xmlns:a14="http://schemas.microsoft.com/office/drawing/2010/main" w="9525">
+                          <a14:hiddenLine xmlns:a14="http://schemas.microsoft.com/office/drawing/2010/main" xmlns="" w="9525">
                             <a:solidFill>
                               <a:schemeClr val="tx1"/>
                             </a:solidFill>
@@ -20638,7 +20638,7 @@
                           </a14:hiddenLine>
                         </a:ext>
                         <a:ext uri="{AF507438-7753-43e0-B8FC-AC1667EBCBE1}">
-                          <a14:hiddenEffects xmlns="" xmlns:a14="http://schemas.microsoft.com/office/drawing/2010/main">
+                          <a14:hiddenEffects xmlns:a14="http://schemas.microsoft.com/office/drawing/2010/main" xmlns="">
                             <a:effectLst>
                               <a:outerShdw blurRad="63500" dist="38099" dir="2700000" algn="ctr" rotWithShape="0">
                                 <a:schemeClr val="bg2">
@@ -23105,14 +23105,14 @@
           <a:ln/>
           <a:extLst>
             <a:ext uri="{909E8E84-426E-40dd-AFC4-6F175D3DCCD1}">
-              <a14:hiddenFill xmlns="" xmlns:a14="http://schemas.microsoft.com/office/drawing/2010/main">
+              <a14:hiddenFill xmlns:a14="http://schemas.microsoft.com/office/drawing/2010/main" xmlns="">
                 <a:solidFill>
                   <a:srgbClr val="FFFFFF"/>
                 </a:solidFill>
               </a14:hiddenFill>
             </a:ext>
             <a:ext uri="{91240B29-F687-4f45-9708-019B960494DF}">
-              <a14:hiddenLine xmlns="" xmlns:a14="http://schemas.microsoft.com/office/drawing/2010/main" w="9525">
+              <a14:hiddenLine xmlns:a14="http://schemas.microsoft.com/office/drawing/2010/main" xmlns="" w="9525">
                 <a:solidFill>
                   <a:srgbClr val="000000"/>
                 </a:solidFill>
